--- a/Inputs/eden_schema.pptx
+++ b/Inputs/eden_schema.pptx
@@ -4357,7 +4357,7 @@
             <a:pPr algn="l"/>
             <a:r>
               <a:rPr lang="en-US" sz="1200" dirty="0"/>
-              <a:t>Flage_2A300</a:t>
+              <a:t>Flag_2A300</a:t>
             </a:r>
           </a:p>
           <a:p>
@@ -4457,7 +4457,7 @@
             <a:pPr algn="l"/>
             <a:r>
               <a:rPr lang="en-US" sz="1200" dirty="0"/>
-              <a:t>Flage_2A300</a:t>
+              <a:t>Flag_2A300</a:t>
             </a:r>
           </a:p>
           <a:p>
@@ -4550,14 +4550,14 @@
             </a:br>
             <a:r>
               <a:rPr lang="en-US" sz="1200" dirty="0"/>
-              <a:t>stage_2A300</a:t>
+              <a:t>et_2A300</a:t>
             </a:r>
           </a:p>
           <a:p>
             <a:pPr algn="l"/>
             <a:r>
               <a:rPr lang="en-US" sz="1200" dirty="0"/>
-              <a:t>Flage_2A300</a:t>
+              <a:t>Et_3a-5</a:t>
             </a:r>
           </a:p>
           <a:p>
@@ -4650,15 +4650,16 @@
             </a:br>
             <a:r>
               <a:rPr lang="en-US" sz="1200" dirty="0"/>
-              <a:t>stage_2A300</a:t>
+              <a:t>rainfall_2A300</a:t>
             </a:r>
           </a:p>
           <a:p>
             <a:pPr algn="l"/>
             <a:r>
-              <a:rPr lang="en-US" sz="1200" dirty="0"/>
-              <a:t>Flage_2A300</a:t>
-            </a:r>
+              <a:rPr lang="en-US" sz="1200"/>
+              <a:t>Rainfall_3a-5</a:t>
+            </a:r>
+            <a:endParaRPr lang="en-US" sz="1200" dirty="0"/>
           </a:p>
           <a:p>
             <a:pPr algn="l"/>
